--- a/trunk/Presentation/Presentation.pptx
+++ b/trunk/Presentation/Presentation.pptx
@@ -2,8 +2,11 @@
 <file path=ppt/presentation.xml><?xml version="1.0" encoding="utf-8"?>
 <p:presentation xmlns:a="http://schemas.openxmlformats.org/drawingml/2006/main" xmlns:r="http://schemas.openxmlformats.org/officeDocument/2006/relationships" xmlns:p="http://schemas.openxmlformats.org/presentationml/2006/main" saveSubsetFonts="1">
   <p:sldMasterIdLst>
-    <p:sldMasterId id="2147483648" r:id="rId1"/>
+    <p:sldMasterId id="2147483684" r:id="rId1"/>
   </p:sldMasterIdLst>
+  <p:sldIdLst>
+    <p:sldId id="256" r:id="rId2"/>
+  </p:sldIdLst>
   <p:sldSz cx="9144000" cy="6858000" type="screen4x3"/>
   <p:notesSz cx="6858000" cy="9144000"/>
   <p:defaultTextStyle>
@@ -143,9 +146,9 @@
           <a:p>
             <a:r>
               <a:rPr lang="pl-PL" smtClean="0"/>
-              <a:t>Kliknij, aby edytować styl wzorca tytułu</a:t>
-            </a:r>
-            <a:endParaRPr lang="pl-PL"/>
+              <a:t>Kliknij, aby edytować styl</a:t>
+            </a:r>
+            <a:endParaRPr lang="en-GB"/>
           </a:p>
         </p:txBody>
       </p:sp>
@@ -264,7 +267,7 @@
               <a:rPr lang="pl-PL" smtClean="0"/>
               <a:t>Kliknij, aby edytować styl wzorca podtytułu</a:t>
             </a:r>
-            <a:endParaRPr lang="pl-PL"/>
+            <a:endParaRPr lang="en-GB"/>
           </a:p>
         </p:txBody>
       </p:sp>
@@ -285,7 +288,8 @@
           <a:p>
             <a:fld id="{66221E02-25CB-4963-84BC-0813985E7D90}" type="datetimeFigureOut">
               <a:rPr lang="pl-PL" smtClean="0"/>
-              <a:t>2006-10-16</a:t>
+              <a:pPr/>
+              <a:t>2012-03-08</a:t>
             </a:fld>
             <a:endParaRPr lang="pl-PL"/>
           </a:p>
@@ -327,6 +331,7 @@
           <a:p>
             <a:fld id="{589B7C76-EFF2-4CD8-A475-4750F11B4BC6}" type="slidenum">
               <a:rPr lang="pl-PL" smtClean="0"/>
+              <a:pPr/>
               <a:t>‹#›</a:t>
             </a:fld>
             <a:endParaRPr lang="pl-PL"/>
@@ -375,9 +380,9 @@
           <a:p>
             <a:r>
               <a:rPr lang="pl-PL" smtClean="0"/>
-              <a:t>Kliknij, aby edytować styl wzorca tytułu</a:t>
-            </a:r>
-            <a:endParaRPr lang="pl-PL"/>
+              <a:t>Kliknij, aby edytować styl</a:t>
+            </a:r>
+            <a:endParaRPr lang="en-GB"/>
           </a:p>
         </p:txBody>
       </p:sp>
@@ -429,7 +434,7 @@
               <a:rPr lang="pl-PL" smtClean="0"/>
               <a:t>Piąty poziom</a:t>
             </a:r>
-            <a:endParaRPr lang="pl-PL"/>
+            <a:endParaRPr lang="en-GB"/>
           </a:p>
         </p:txBody>
       </p:sp>
@@ -450,7 +455,8 @@
           <a:p>
             <a:fld id="{66221E02-25CB-4963-84BC-0813985E7D90}" type="datetimeFigureOut">
               <a:rPr lang="pl-PL" smtClean="0"/>
-              <a:t>2006-10-16</a:t>
+              <a:pPr/>
+              <a:t>2012-03-08</a:t>
             </a:fld>
             <a:endParaRPr lang="pl-PL"/>
           </a:p>
@@ -492,6 +498,7 @@
           <a:p>
             <a:fld id="{589B7C76-EFF2-4CD8-A475-4750F11B4BC6}" type="slidenum">
               <a:rPr lang="pl-PL" smtClean="0"/>
+              <a:pPr/>
               <a:t>‹#›</a:t>
             </a:fld>
             <a:endParaRPr lang="pl-PL"/>
@@ -545,9 +552,9 @@
           <a:p>
             <a:r>
               <a:rPr lang="pl-PL" smtClean="0"/>
-              <a:t>Kliknij, aby edytować styl wzorca tytułu</a:t>
-            </a:r>
-            <a:endParaRPr lang="pl-PL"/>
+              <a:t>Kliknij, aby edytować styl</a:t>
+            </a:r>
+            <a:endParaRPr lang="en-GB"/>
           </a:p>
         </p:txBody>
       </p:sp>
@@ -604,7 +611,7 @@
               <a:rPr lang="pl-PL" smtClean="0"/>
               <a:t>Piąty poziom</a:t>
             </a:r>
-            <a:endParaRPr lang="pl-PL"/>
+            <a:endParaRPr lang="en-GB"/>
           </a:p>
         </p:txBody>
       </p:sp>
@@ -625,7 +632,8 @@
           <a:p>
             <a:fld id="{66221E02-25CB-4963-84BC-0813985E7D90}" type="datetimeFigureOut">
               <a:rPr lang="pl-PL" smtClean="0"/>
-              <a:t>2006-10-16</a:t>
+              <a:pPr/>
+              <a:t>2012-03-08</a:t>
             </a:fld>
             <a:endParaRPr lang="pl-PL"/>
           </a:p>
@@ -667,6 +675,7 @@
           <a:p>
             <a:fld id="{589B7C76-EFF2-4CD8-A475-4750F11B4BC6}" type="slidenum">
               <a:rPr lang="pl-PL" smtClean="0"/>
+              <a:pPr/>
               <a:t>‹#›</a:t>
             </a:fld>
             <a:endParaRPr lang="pl-PL"/>
@@ -715,9 +724,9 @@
           <a:p>
             <a:r>
               <a:rPr lang="pl-PL" smtClean="0"/>
-              <a:t>Kliknij, aby edytować styl wzorca tytułu</a:t>
-            </a:r>
-            <a:endParaRPr lang="pl-PL"/>
+              <a:t>Kliknij, aby edytować styl</a:t>
+            </a:r>
+            <a:endParaRPr lang="en-GB"/>
           </a:p>
         </p:txBody>
       </p:sp>
@@ -769,7 +778,7 @@
               <a:rPr lang="pl-PL" smtClean="0"/>
               <a:t>Piąty poziom</a:t>
             </a:r>
-            <a:endParaRPr lang="pl-PL"/>
+            <a:endParaRPr lang="en-GB"/>
           </a:p>
         </p:txBody>
       </p:sp>
@@ -790,7 +799,8 @@
           <a:p>
             <a:fld id="{66221E02-25CB-4963-84BC-0813985E7D90}" type="datetimeFigureOut">
               <a:rPr lang="pl-PL" smtClean="0"/>
-              <a:t>2006-10-16</a:t>
+              <a:pPr/>
+              <a:t>2012-03-08</a:t>
             </a:fld>
             <a:endParaRPr lang="pl-PL"/>
           </a:p>
@@ -832,6 +842,7 @@
           <a:p>
             <a:fld id="{589B7C76-EFF2-4CD8-A475-4750F11B4BC6}" type="slidenum">
               <a:rPr lang="pl-PL" smtClean="0"/>
+              <a:pPr/>
               <a:t>‹#›</a:t>
             </a:fld>
             <a:endParaRPr lang="pl-PL"/>
@@ -889,9 +900,9 @@
           <a:p>
             <a:r>
               <a:rPr lang="pl-PL" smtClean="0"/>
-              <a:t>Kliknij, aby edytować styl wzorca tytułu</a:t>
-            </a:r>
-            <a:endParaRPr lang="pl-PL"/>
+              <a:t>Kliknij, aby edytować styl</a:t>
+            </a:r>
+            <a:endParaRPr lang="en-GB"/>
           </a:p>
         </p:txBody>
       </p:sp>
@@ -1031,7 +1042,8 @@
           <a:p>
             <a:fld id="{66221E02-25CB-4963-84BC-0813985E7D90}" type="datetimeFigureOut">
               <a:rPr lang="pl-PL" smtClean="0"/>
-              <a:t>2006-10-16</a:t>
+              <a:pPr/>
+              <a:t>2012-03-08</a:t>
             </a:fld>
             <a:endParaRPr lang="pl-PL"/>
           </a:p>
@@ -1073,6 +1085,7 @@
           <a:p>
             <a:fld id="{589B7C76-EFF2-4CD8-A475-4750F11B4BC6}" type="slidenum">
               <a:rPr lang="pl-PL" smtClean="0"/>
+              <a:pPr/>
               <a:t>‹#›</a:t>
             </a:fld>
             <a:endParaRPr lang="pl-PL"/>
@@ -1121,9 +1134,9 @@
           <a:p>
             <a:r>
               <a:rPr lang="pl-PL" smtClean="0"/>
-              <a:t>Kliknij, aby edytować styl wzorca tytułu</a:t>
-            </a:r>
-            <a:endParaRPr lang="pl-PL"/>
+              <a:t>Kliknij, aby edytować styl</a:t>
+            </a:r>
+            <a:endParaRPr lang="en-GB"/>
           </a:p>
         </p:txBody>
       </p:sp>
@@ -1208,7 +1221,7 @@
               <a:rPr lang="pl-PL" smtClean="0"/>
               <a:t>Piąty poziom</a:t>
             </a:r>
-            <a:endParaRPr lang="pl-PL"/>
+            <a:endParaRPr lang="en-GB"/>
           </a:p>
         </p:txBody>
       </p:sp>
@@ -1293,7 +1306,7 @@
               <a:rPr lang="pl-PL" smtClean="0"/>
               <a:t>Piąty poziom</a:t>
             </a:r>
-            <a:endParaRPr lang="pl-PL"/>
+            <a:endParaRPr lang="en-GB"/>
           </a:p>
         </p:txBody>
       </p:sp>
@@ -1314,7 +1327,8 @@
           <a:p>
             <a:fld id="{66221E02-25CB-4963-84BC-0813985E7D90}" type="datetimeFigureOut">
               <a:rPr lang="pl-PL" smtClean="0"/>
-              <a:t>2006-10-16</a:t>
+              <a:pPr/>
+              <a:t>2012-03-08</a:t>
             </a:fld>
             <a:endParaRPr lang="pl-PL"/>
           </a:p>
@@ -1356,6 +1370,7 @@
           <a:p>
             <a:fld id="{589B7C76-EFF2-4CD8-A475-4750F11B4BC6}" type="slidenum">
               <a:rPr lang="pl-PL" smtClean="0"/>
+              <a:pPr/>
               <a:t>‹#›</a:t>
             </a:fld>
             <a:endParaRPr lang="pl-PL"/>
@@ -1408,9 +1423,9 @@
           <a:p>
             <a:r>
               <a:rPr lang="pl-PL" smtClean="0"/>
-              <a:t>Kliknij, aby edytować styl wzorca tytułu</a:t>
-            </a:r>
-            <a:endParaRPr lang="pl-PL"/>
+              <a:t>Kliknij, aby edytować styl</a:t>
+            </a:r>
+            <a:endParaRPr lang="en-GB"/>
           </a:p>
         </p:txBody>
       </p:sp>
@@ -1560,7 +1575,7 @@
               <a:rPr lang="pl-PL" smtClean="0"/>
               <a:t>Piąty poziom</a:t>
             </a:r>
-            <a:endParaRPr lang="pl-PL"/>
+            <a:endParaRPr lang="en-GB"/>
           </a:p>
         </p:txBody>
       </p:sp>
@@ -1710,7 +1725,7 @@
               <a:rPr lang="pl-PL" smtClean="0"/>
               <a:t>Piąty poziom</a:t>
             </a:r>
-            <a:endParaRPr lang="pl-PL"/>
+            <a:endParaRPr lang="en-GB"/>
           </a:p>
         </p:txBody>
       </p:sp>
@@ -1731,7 +1746,8 @@
           <a:p>
             <a:fld id="{66221E02-25CB-4963-84BC-0813985E7D90}" type="datetimeFigureOut">
               <a:rPr lang="pl-PL" smtClean="0"/>
-              <a:t>2006-10-16</a:t>
+              <a:pPr/>
+              <a:t>2012-03-08</a:t>
             </a:fld>
             <a:endParaRPr lang="pl-PL"/>
           </a:p>
@@ -1773,6 +1789,7 @@
           <a:p>
             <a:fld id="{589B7C76-EFF2-4CD8-A475-4750F11B4BC6}" type="slidenum">
               <a:rPr lang="pl-PL" smtClean="0"/>
+              <a:pPr/>
               <a:t>‹#›</a:t>
             </a:fld>
             <a:endParaRPr lang="pl-PL"/>
@@ -1821,9 +1838,9 @@
           <a:p>
             <a:r>
               <a:rPr lang="pl-PL" smtClean="0"/>
-              <a:t>Kliknij, aby edytować styl wzorca tytułu</a:t>
-            </a:r>
-            <a:endParaRPr lang="pl-PL"/>
+              <a:t>Kliknij, aby edytować styl</a:t>
+            </a:r>
+            <a:endParaRPr lang="en-GB"/>
           </a:p>
         </p:txBody>
       </p:sp>
@@ -1844,7 +1861,8 @@
           <a:p>
             <a:fld id="{66221E02-25CB-4963-84BC-0813985E7D90}" type="datetimeFigureOut">
               <a:rPr lang="pl-PL" smtClean="0"/>
-              <a:t>2006-10-16</a:t>
+              <a:pPr/>
+              <a:t>2012-03-08</a:t>
             </a:fld>
             <a:endParaRPr lang="pl-PL"/>
           </a:p>
@@ -1886,6 +1904,7 @@
           <a:p>
             <a:fld id="{589B7C76-EFF2-4CD8-A475-4750F11B4BC6}" type="slidenum">
               <a:rPr lang="pl-PL" smtClean="0"/>
+              <a:pPr/>
               <a:t>‹#›</a:t>
             </a:fld>
             <a:endParaRPr lang="pl-PL"/>
@@ -1934,7 +1953,8 @@
           <a:p>
             <a:fld id="{66221E02-25CB-4963-84BC-0813985E7D90}" type="datetimeFigureOut">
               <a:rPr lang="pl-PL" smtClean="0"/>
-              <a:t>2006-10-16</a:t>
+              <a:pPr/>
+              <a:t>2012-03-08</a:t>
             </a:fld>
             <a:endParaRPr lang="pl-PL"/>
           </a:p>
@@ -1976,6 +1996,7 @@
           <a:p>
             <a:fld id="{589B7C76-EFF2-4CD8-A475-4750F11B4BC6}" type="slidenum">
               <a:rPr lang="pl-PL" smtClean="0"/>
+              <a:pPr/>
               <a:t>‹#›</a:t>
             </a:fld>
             <a:endParaRPr lang="pl-PL"/>
@@ -2033,9 +2054,9 @@
           <a:p>
             <a:r>
               <a:rPr lang="pl-PL" smtClean="0"/>
-              <a:t>Kliknij, aby edytować styl wzorca tytułu</a:t>
-            </a:r>
-            <a:endParaRPr lang="pl-PL"/>
+              <a:t>Kliknij, aby edytować styl</a:t>
+            </a:r>
+            <a:endParaRPr lang="en-GB"/>
           </a:p>
         </p:txBody>
       </p:sp>
@@ -2120,7 +2141,7 @@
               <a:rPr lang="pl-PL" smtClean="0"/>
               <a:t>Piąty poziom</a:t>
             </a:r>
-            <a:endParaRPr lang="pl-PL"/>
+            <a:endParaRPr lang="en-GB"/>
           </a:p>
         </p:txBody>
       </p:sp>
@@ -2206,7 +2227,8 @@
           <a:p>
             <a:fld id="{66221E02-25CB-4963-84BC-0813985E7D90}" type="datetimeFigureOut">
               <a:rPr lang="pl-PL" smtClean="0"/>
-              <a:t>2006-10-16</a:t>
+              <a:pPr/>
+              <a:t>2012-03-08</a:t>
             </a:fld>
             <a:endParaRPr lang="pl-PL"/>
           </a:p>
@@ -2248,6 +2270,7 @@
           <a:p>
             <a:fld id="{589B7C76-EFF2-4CD8-A475-4750F11B4BC6}" type="slidenum">
               <a:rPr lang="pl-PL" smtClean="0"/>
+              <a:pPr/>
               <a:t>‹#›</a:t>
             </a:fld>
             <a:endParaRPr lang="pl-PL"/>
@@ -2305,9 +2328,9 @@
           <a:p>
             <a:r>
               <a:rPr lang="pl-PL" smtClean="0"/>
-              <a:t>Kliknij, aby edytować styl wzorca tytułu</a:t>
-            </a:r>
-            <a:endParaRPr lang="pl-PL"/>
+              <a:t>Kliknij, aby edytować styl</a:t>
+            </a:r>
+            <a:endParaRPr lang="en-GB"/>
           </a:p>
         </p:txBody>
       </p:sp>
@@ -2368,7 +2391,7 @@
             </a:lvl9pPr>
           </a:lstStyle>
           <a:p>
-            <a:endParaRPr lang="pl-PL"/>
+            <a:endParaRPr lang="en-GB"/>
           </a:p>
         </p:txBody>
       </p:sp>
@@ -2454,7 +2477,8 @@
           <a:p>
             <a:fld id="{66221E02-25CB-4963-84BC-0813985E7D90}" type="datetimeFigureOut">
               <a:rPr lang="pl-PL" smtClean="0"/>
-              <a:t>2006-10-16</a:t>
+              <a:pPr/>
+              <a:t>2012-03-08</a:t>
             </a:fld>
             <a:endParaRPr lang="pl-PL"/>
           </a:p>
@@ -2496,6 +2520,7 @@
           <a:p>
             <a:fld id="{589B7C76-EFF2-4CD8-A475-4750F11B4BC6}" type="slidenum">
               <a:rPr lang="pl-PL" smtClean="0"/>
+              <a:pPr/>
               <a:t>‹#›</a:t>
             </a:fld>
             <a:endParaRPr lang="pl-PL"/>
@@ -2559,9 +2584,9 @@
           <a:p>
             <a:r>
               <a:rPr lang="pl-PL" smtClean="0"/>
-              <a:t>Kliknij, aby edytować styl wzorca tytułu</a:t>
-            </a:r>
-            <a:endParaRPr lang="pl-PL"/>
+              <a:t>Kliknij, aby edytować styl</a:t>
+            </a:r>
+            <a:endParaRPr lang="en-GB"/>
           </a:p>
         </p:txBody>
       </p:sp>
@@ -2623,7 +2648,7 @@
               <a:rPr lang="pl-PL" smtClean="0"/>
               <a:t>Piąty poziom</a:t>
             </a:r>
-            <a:endParaRPr lang="pl-PL"/>
+            <a:endParaRPr lang="en-GB"/>
           </a:p>
         </p:txBody>
       </p:sp>
@@ -2662,7 +2687,8 @@
           <a:p>
             <a:fld id="{66221E02-25CB-4963-84BC-0813985E7D90}" type="datetimeFigureOut">
               <a:rPr lang="pl-PL" smtClean="0"/>
-              <a:t>2006-10-16</a:t>
+              <a:pPr/>
+              <a:t>2012-03-08</a:t>
             </a:fld>
             <a:endParaRPr lang="pl-PL"/>
           </a:p>
@@ -2740,6 +2766,7 @@
           <a:p>
             <a:fld id="{589B7C76-EFF2-4CD8-A475-4750F11B4BC6}" type="slidenum">
               <a:rPr lang="pl-PL" smtClean="0"/>
+              <a:pPr/>
               <a:t>‹#›</a:t>
             </a:fld>
             <a:endParaRPr lang="pl-PL"/>
@@ -2750,17 +2777,17 @@
   </p:cSld>
   <p:clrMap bg1="lt1" tx1="dk1" bg2="lt2" tx2="dk2" accent1="accent1" accent2="accent2" accent3="accent3" accent4="accent4" accent5="accent5" accent6="accent6" hlink="hlink" folHlink="folHlink"/>
   <p:sldLayoutIdLst>
-    <p:sldLayoutId id="2147483649" r:id="rId1"/>
-    <p:sldLayoutId id="2147483650" r:id="rId2"/>
-    <p:sldLayoutId id="2147483651" r:id="rId3"/>
-    <p:sldLayoutId id="2147483652" r:id="rId4"/>
-    <p:sldLayoutId id="2147483653" r:id="rId5"/>
-    <p:sldLayoutId id="2147483654" r:id="rId6"/>
-    <p:sldLayoutId id="2147483655" r:id="rId7"/>
-    <p:sldLayoutId id="2147483656" r:id="rId8"/>
-    <p:sldLayoutId id="2147483657" r:id="rId9"/>
-    <p:sldLayoutId id="2147483658" r:id="rId10"/>
-    <p:sldLayoutId id="2147483659" r:id="rId11"/>
+    <p:sldLayoutId id="2147483685" r:id="rId1"/>
+    <p:sldLayoutId id="2147483686" r:id="rId2"/>
+    <p:sldLayoutId id="2147483687" r:id="rId3"/>
+    <p:sldLayoutId id="2147483688" r:id="rId4"/>
+    <p:sldLayoutId id="2147483689" r:id="rId5"/>
+    <p:sldLayoutId id="2147483690" r:id="rId6"/>
+    <p:sldLayoutId id="2147483691" r:id="rId7"/>
+    <p:sldLayoutId id="2147483692" r:id="rId8"/>
+    <p:sldLayoutId id="2147483693" r:id="rId9"/>
+    <p:sldLayoutId id="2147483694" r:id="rId10"/>
+    <p:sldLayoutId id="2147483695" r:id="rId11"/>
   </p:sldLayoutIdLst>
   <p:txStyles>
     <p:titleStyle>
@@ -2918,7 +2945,7 @@
     </p:bodyStyle>
     <p:otherStyle>
       <a:defPPr>
-        <a:defRPr lang="pl-PL"/>
+        <a:defRPr lang="en-US"/>
       </a:defPPr>
       <a:lvl1pPr marL="0" algn="l" defTabSz="914400" rtl="0" eaLnBrk="1" latinLnBrk="0" hangingPunct="1">
         <a:defRPr sz="1800" kern="1200">
@@ -3013,6 +3040,69 @@
     </p:otherStyle>
   </p:txStyles>
 </p:sldMaster>
+</file>
+
+<file path=ppt/slides/slide1.xml><?xml version="1.0" encoding="utf-8"?>
+<p:sld xmlns:a="http://schemas.openxmlformats.org/drawingml/2006/main" xmlns:r="http://schemas.openxmlformats.org/officeDocument/2006/relationships" xmlns:p="http://schemas.openxmlformats.org/presentationml/2006/main">
+  <p:cSld>
+    <p:spTree>
+      <p:nvGrpSpPr>
+        <p:cNvPr id="1" name=""/>
+        <p:cNvGrpSpPr/>
+        <p:nvPr/>
+      </p:nvGrpSpPr>
+      <p:grpSpPr>
+        <a:xfrm>
+          <a:off x="0" y="0"/>
+          <a:ext cx="0" cy="0"/>
+          <a:chOff x="0" y="0"/>
+          <a:chExt cx="0" cy="0"/>
+        </a:xfrm>
+      </p:grpSpPr>
+      <p:sp>
+        <p:nvSpPr>
+          <p:cNvPr id="2" name="Tytuł 1"/>
+          <p:cNvSpPr>
+            <a:spLocks noGrp="1"/>
+          </p:cNvSpPr>
+          <p:nvPr>
+            <p:ph type="ctrTitle"/>
+          </p:nvPr>
+        </p:nvSpPr>
+        <p:spPr/>
+        <p:txBody>
+          <a:bodyPr/>
+          <a:lstStyle/>
+          <a:p>
+            <a:endParaRPr lang="en-GB"/>
+          </a:p>
+        </p:txBody>
+      </p:sp>
+      <p:sp>
+        <p:nvSpPr>
+          <p:cNvPr id="3" name="Podtytuł 2"/>
+          <p:cNvSpPr>
+            <a:spLocks noGrp="1"/>
+          </p:cNvSpPr>
+          <p:nvPr>
+            <p:ph type="subTitle" idx="1"/>
+          </p:nvPr>
+        </p:nvSpPr>
+        <p:spPr/>
+        <p:txBody>
+          <a:bodyPr/>
+          <a:lstStyle/>
+          <a:p>
+            <a:endParaRPr lang="en-GB"/>
+          </a:p>
+        </p:txBody>
+      </p:sp>
+    </p:spTree>
+  </p:cSld>
+  <p:clrMapOvr>
+    <a:masterClrMapping/>
+  </p:clrMapOvr>
+</p:sld>
 </file>
 
 <file path=ppt/theme/theme1.xml><?xml version="1.0" encoding="utf-8"?>
